--- a/Thomas_Pengilly_Case_Study.pptx
+++ b/Thomas_Pengilly_Case_Study.pptx
@@ -531,9 +531,18 @@
               <a:t>:      </a:t>
             </a:r>
             <a:r>
-              <a:rPr lang="en-US" dirty="0"/>
-              <a:t>https://youtu.be/ZbKUrdkwvT0</a:t>
-            </a:r>
+              <a:rPr lang="en-US" sz="1200" b="0" i="0" u="none" strike="noStrike" kern="1200">
+                <a:solidFill>
+                  <a:schemeClr val="tx1"/>
+                </a:solidFill>
+                <a:effectLst/>
+                <a:latin typeface="+mn-lt"/>
+                <a:ea typeface="+mn-ea"/>
+                <a:cs typeface="+mn-cs"/>
+              </a:rPr>
+              <a:t>https://youtu.be/eAL6-DqCeIM</a:t>
+            </a:r>
+            <a:endParaRPr lang="en-US" dirty="0"/>
           </a:p>
         </p:txBody>
       </p:sp>

--- a/Thomas_Pengilly_Case_Study.pptx
+++ b/Thomas_Pengilly_Case_Study.pptx
@@ -540,7 +540,7 @@
                 <a:ea typeface="+mn-ea"/>
                 <a:cs typeface="+mn-cs"/>
               </a:rPr>
-              <a:t>https://youtu.be/eAL6-DqCeIM</a:t>
+              <a:t>https://youtu.be/vZjKwI4AmT0</a:t>
             </a:r>
             <a:endParaRPr lang="en-US" dirty="0"/>
           </a:p>
